--- a/Lecture/wk2.pptx
+++ b/Lecture/wk2.pptx
@@ -227,7 +227,7 @@
           <a:p>
             <a:fld id="{E2AAB15A-8CF0-4AB5-AF9D-65E6C81B300E}" type="datetimeFigureOut">
               <a:rPr lang="en-US" smtClean="0"/>
-              <a:t>1/11/2020</a:t>
+              <a:t>2/8/21</a:t>
             </a:fld>
             <a:endParaRPr lang="en-US"/>
           </a:p>
@@ -992,7 +992,7 @@
           <a:p>
             <a:fld id="{84BB3998-985A-4D94-B13E-1B64131194E0}" type="datetimeFigureOut">
               <a:rPr lang="en-US" smtClean="0"/>
-              <a:t>1/11/2020</a:t>
+              <a:t>2/8/21</a:t>
             </a:fld>
             <a:endParaRPr lang="en-US"/>
           </a:p>
@@ -1190,7 +1190,7 @@
           <a:p>
             <a:fld id="{84BB3998-985A-4D94-B13E-1B64131194E0}" type="datetimeFigureOut">
               <a:rPr lang="en-US" smtClean="0"/>
-              <a:t>1/11/2020</a:t>
+              <a:t>2/8/21</a:t>
             </a:fld>
             <a:endParaRPr lang="en-US"/>
           </a:p>
@@ -1398,7 +1398,7 @@
           <a:p>
             <a:fld id="{84BB3998-985A-4D94-B13E-1B64131194E0}" type="datetimeFigureOut">
               <a:rPr lang="en-US" smtClean="0"/>
-              <a:t>1/11/2020</a:t>
+              <a:t>2/8/21</a:t>
             </a:fld>
             <a:endParaRPr lang="en-US"/>
           </a:p>
@@ -1596,7 +1596,7 @@
           <a:p>
             <a:fld id="{84BB3998-985A-4D94-B13E-1B64131194E0}" type="datetimeFigureOut">
               <a:rPr lang="en-US" smtClean="0"/>
-              <a:t>1/11/2020</a:t>
+              <a:t>2/8/21</a:t>
             </a:fld>
             <a:endParaRPr lang="en-US"/>
           </a:p>
@@ -1871,7 +1871,7 @@
           <a:p>
             <a:fld id="{84BB3998-985A-4D94-B13E-1B64131194E0}" type="datetimeFigureOut">
               <a:rPr lang="en-US" smtClean="0"/>
-              <a:t>1/11/2020</a:t>
+              <a:t>2/8/21</a:t>
             </a:fld>
             <a:endParaRPr lang="en-US"/>
           </a:p>
@@ -2136,7 +2136,7 @@
           <a:p>
             <a:fld id="{84BB3998-985A-4D94-B13E-1B64131194E0}" type="datetimeFigureOut">
               <a:rPr lang="en-US" smtClean="0"/>
-              <a:t>1/11/2020</a:t>
+              <a:t>2/8/21</a:t>
             </a:fld>
             <a:endParaRPr lang="en-US"/>
           </a:p>
@@ -2548,7 +2548,7 @@
           <a:p>
             <a:fld id="{84BB3998-985A-4D94-B13E-1B64131194E0}" type="datetimeFigureOut">
               <a:rPr lang="en-US" smtClean="0"/>
-              <a:t>1/11/2020</a:t>
+              <a:t>2/8/21</a:t>
             </a:fld>
             <a:endParaRPr lang="en-US"/>
           </a:p>
@@ -2689,7 +2689,7 @@
           <a:p>
             <a:fld id="{84BB3998-985A-4D94-B13E-1B64131194E0}" type="datetimeFigureOut">
               <a:rPr lang="en-US" smtClean="0"/>
-              <a:t>1/11/2020</a:t>
+              <a:t>2/8/21</a:t>
             </a:fld>
             <a:endParaRPr lang="en-US"/>
           </a:p>
@@ -2802,7 +2802,7 @@
           <a:p>
             <a:fld id="{84BB3998-985A-4D94-B13E-1B64131194E0}" type="datetimeFigureOut">
               <a:rPr lang="en-US" smtClean="0"/>
-              <a:t>1/11/2020</a:t>
+              <a:t>2/8/21</a:t>
             </a:fld>
             <a:endParaRPr lang="en-US"/>
           </a:p>
@@ -3113,7 +3113,7 @@
           <a:p>
             <a:fld id="{84BB3998-985A-4D94-B13E-1B64131194E0}" type="datetimeFigureOut">
               <a:rPr lang="en-US" smtClean="0"/>
-              <a:t>1/11/2020</a:t>
+              <a:t>2/8/21</a:t>
             </a:fld>
             <a:endParaRPr lang="en-US"/>
           </a:p>
@@ -3401,7 +3401,7 @@
           <a:p>
             <a:fld id="{84BB3998-985A-4D94-B13E-1B64131194E0}" type="datetimeFigureOut">
               <a:rPr lang="en-US" smtClean="0"/>
-              <a:t>1/11/2020</a:t>
+              <a:t>2/8/21</a:t>
             </a:fld>
             <a:endParaRPr lang="en-US"/>
           </a:p>
@@ -3642,7 +3642,7 @@
           <a:p>
             <a:fld id="{84BB3998-985A-4D94-B13E-1B64131194E0}" type="datetimeFigureOut">
               <a:rPr lang="en-US" smtClean="0"/>
-              <a:t>1/11/2020</a:t>
+              <a:t>2/8/21</a:t>
             </a:fld>
             <a:endParaRPr lang="en-US"/>
           </a:p>
@@ -4328,28 +4328,44 @@
           <a:p>
             <a:pPr lvl="1"/>
             <a:r>
-              <a:rPr lang="en-US" dirty="0"/>
+              <a:rPr lang="en-US" dirty="0">
+                <a:highlight>
+                  <a:srgbClr val="FFFF00"/>
+                </a:highlight>
+              </a:rPr>
               <a:t>IP </a:t>
             </a:r>
           </a:p>
           <a:p>
             <a:pPr lvl="2"/>
             <a:r>
-              <a:rPr lang="en-US" dirty="0"/>
+              <a:rPr lang="en-US" dirty="0">
+                <a:highlight>
+                  <a:srgbClr val="FFFF00"/>
+                </a:highlight>
+              </a:rPr>
               <a:t>Gets address to which data is sent. </a:t>
             </a:r>
           </a:p>
           <a:p>
             <a:pPr lvl="1"/>
             <a:r>
-              <a:rPr lang="en-US" dirty="0"/>
+              <a:rPr lang="en-US" dirty="0">
+                <a:highlight>
+                  <a:srgbClr val="FFFF00"/>
+                </a:highlight>
+              </a:rPr>
               <a:t>TCP </a:t>
             </a:r>
           </a:p>
           <a:p>
             <a:pPr lvl="2"/>
             <a:r>
-              <a:rPr lang="en-US" dirty="0"/>
+              <a:rPr lang="en-US" dirty="0">
+                <a:highlight>
+                  <a:srgbClr val="FFFF00"/>
+                </a:highlight>
+              </a:rPr>
               <a:t>Data delivery once that IP located</a:t>
             </a:r>
           </a:p>
@@ -5259,20 +5275,40 @@
           <a:p>
             <a:pPr lvl="2"/>
             <a:r>
-              <a:rPr lang="en-US" dirty="0"/>
-              <a:t>data link layer does not understand the internet address.</a:t>
-            </a:r>
-          </a:p>
-          <a:p>
-            <a:r>
-              <a:rPr lang="en-US" dirty="0"/>
-              <a:t>ARP =  Address resolution protocol</a:t>
+              <a:rPr lang="en-US" dirty="0">
+                <a:highlight>
+                  <a:srgbClr val="FFFF00"/>
+                </a:highlight>
+              </a:rPr>
+              <a:t>data link layer does not understand the internet address</a:t>
+            </a:r>
+            <a:r>
+              <a:rPr lang="en-US" dirty="0"/>
+              <a:t>.</a:t>
+            </a:r>
+          </a:p>
+          <a:p>
+            <a:r>
+              <a:rPr lang="en-US" dirty="0">
+                <a:highlight>
+                  <a:srgbClr val="FFFF00"/>
+                </a:highlight>
+              </a:rPr>
+              <a:t>ARP</a:t>
+            </a:r>
+            <a:r>
+              <a:rPr lang="en-US" dirty="0"/>
+              <a:t> =  Address resolution protocol</a:t>
             </a:r>
           </a:p>
           <a:p>
             <a:pPr lvl="1"/>
             <a:r>
-              <a:rPr lang="en-US" dirty="0"/>
+              <a:rPr lang="en-US" dirty="0">
+                <a:highlight>
+                  <a:srgbClr val="FFFF00"/>
+                </a:highlight>
+              </a:rPr>
               <a:t>Transfer IP Address to Physical Address</a:t>
             </a:r>
           </a:p>
@@ -5282,14 +5318,26 @@
           </a:p>
           <a:p>
             <a:r>
-              <a:rPr lang="en-US" dirty="0"/>
-              <a:t>RARP = Reverse Address resolution protocol</a:t>
+              <a:rPr lang="en-US" dirty="0">
+                <a:highlight>
+                  <a:srgbClr val="FFFF00"/>
+                </a:highlight>
+              </a:rPr>
+              <a:t>RARP </a:t>
+            </a:r>
+            <a:r>
+              <a:rPr lang="en-US" dirty="0"/>
+              <a:t>= Reverse Address resolution protocol</a:t>
             </a:r>
           </a:p>
           <a:p>
             <a:pPr lvl="1"/>
             <a:r>
-              <a:rPr lang="en-US" dirty="0"/>
+              <a:rPr lang="en-US" dirty="0">
+                <a:highlight>
+                  <a:srgbClr val="FFFF00"/>
+                </a:highlight>
+              </a:rPr>
               <a:t>Transfer Physical Address to IP Address</a:t>
             </a:r>
           </a:p>
@@ -5537,7 +5585,11 @@
           </a:p>
           <a:p>
             <a:r>
-              <a:rPr lang="en-US" dirty="0"/>
+              <a:rPr lang="en-US" dirty="0">
+                <a:highlight>
+                  <a:srgbClr val="FFFF00"/>
+                </a:highlight>
+              </a:rPr>
               <a:t>Three-step handshake at startup</a:t>
             </a:r>
           </a:p>
@@ -5557,7 +5609,11 @@
           <a:p>
             <a:pPr lvl="1"/>
             <a:r>
-              <a:rPr lang="en-US" dirty="0"/>
+              <a:rPr lang="en-US" dirty="0">
+                <a:highlight>
+                  <a:srgbClr val="FFFF00"/>
+                </a:highlight>
+              </a:rPr>
               <a:t>Four-step shutdown</a:t>
             </a:r>
           </a:p>
@@ -7424,7 +7480,11 @@
           <a:p>
             <a:pPr lvl="1"/>
             <a:r>
-              <a:rPr lang="en-US" dirty="0"/>
+              <a:rPr lang="en-US" dirty="0">
+                <a:highlight>
+                  <a:srgbClr val="FFFF00"/>
+                </a:highlight>
+              </a:rPr>
               <a:t>7 Layers</a:t>
             </a:r>
           </a:p>
@@ -7765,7 +7825,11 @@
           <a:lstStyle/>
           <a:p>
             <a:r>
-              <a:rPr lang="en-US" dirty="0"/>
+              <a:rPr lang="en-US" dirty="0">
+                <a:highlight>
+                  <a:srgbClr val="FFFF00"/>
+                </a:highlight>
+              </a:rPr>
               <a:t>How many layers in OSI model? </a:t>
             </a:r>
           </a:p>
@@ -7778,7 +7842,11 @@
           </a:p>
           <a:p>
             <a:r>
-              <a:rPr lang="en-US" dirty="0"/>
+              <a:rPr lang="en-US" dirty="0">
+                <a:highlight>
+                  <a:srgbClr val="FFFF00"/>
+                </a:highlight>
+              </a:rPr>
               <a:t>How many layers related to physical hardware?</a:t>
             </a:r>
           </a:p>
@@ -7805,7 +7873,11 @@
           </a:p>
           <a:p>
             <a:r>
-              <a:rPr lang="en-US" dirty="0"/>
+              <a:rPr lang="en-US" dirty="0">
+                <a:highlight>
+                  <a:srgbClr val="FFFF00"/>
+                </a:highlight>
+              </a:rPr>
               <a:t>How many layers related to transmission</a:t>
             </a:r>
           </a:p>
@@ -9007,7 +9079,11 @@
           <a:lstStyle/>
           <a:p>
             <a:r>
-              <a:rPr lang="en-US" dirty="0"/>
+              <a:rPr lang="en-US" dirty="0">
+                <a:highlight>
+                  <a:srgbClr val="FFFF00"/>
+                </a:highlight>
+              </a:rPr>
               <a:t>How many layers related to transmission</a:t>
             </a:r>
           </a:p>
@@ -9034,7 +9110,11 @@
           </a:p>
           <a:p>
             <a:r>
-              <a:rPr lang="en-US" dirty="0"/>
+              <a:rPr lang="en-US" dirty="0">
+                <a:highlight>
+                  <a:srgbClr val="FFFF00"/>
+                </a:highlight>
+              </a:rPr>
               <a:t>How many layers related to distribution of a service to client</a:t>
             </a:r>
           </a:p>
@@ -9047,7 +9127,11 @@
           </a:p>
           <a:p>
             <a:r>
-              <a:rPr lang="en-US" dirty="0"/>
+              <a:rPr lang="en-US" dirty="0">
+                <a:highlight>
+                  <a:srgbClr val="FFFF00"/>
+                </a:highlight>
+              </a:rPr>
               <a:t>How many layers are average online user aware of (subjective)</a:t>
             </a:r>
           </a:p>

--- a/Lecture/wk2.pptx
+++ b/Lecture/wk2.pptx
@@ -227,7 +227,7 @@
           <a:p>
             <a:fld id="{E2AAB15A-8CF0-4AB5-AF9D-65E6C81B300E}" type="datetimeFigureOut">
               <a:rPr lang="en-US" smtClean="0"/>
-              <a:t>2/8/21</a:t>
+              <a:t>2/21/21</a:t>
             </a:fld>
             <a:endParaRPr lang="en-US"/>
           </a:p>
@@ -992,7 +992,7 @@
           <a:p>
             <a:fld id="{84BB3998-985A-4D94-B13E-1B64131194E0}" type="datetimeFigureOut">
               <a:rPr lang="en-US" smtClean="0"/>
-              <a:t>2/8/21</a:t>
+              <a:t>2/21/21</a:t>
             </a:fld>
             <a:endParaRPr lang="en-US"/>
           </a:p>
@@ -1190,7 +1190,7 @@
           <a:p>
             <a:fld id="{84BB3998-985A-4D94-B13E-1B64131194E0}" type="datetimeFigureOut">
               <a:rPr lang="en-US" smtClean="0"/>
-              <a:t>2/8/21</a:t>
+              <a:t>2/21/21</a:t>
             </a:fld>
             <a:endParaRPr lang="en-US"/>
           </a:p>
@@ -1398,7 +1398,7 @@
           <a:p>
             <a:fld id="{84BB3998-985A-4D94-B13E-1B64131194E0}" type="datetimeFigureOut">
               <a:rPr lang="en-US" smtClean="0"/>
-              <a:t>2/8/21</a:t>
+              <a:t>2/21/21</a:t>
             </a:fld>
             <a:endParaRPr lang="en-US"/>
           </a:p>
@@ -1596,7 +1596,7 @@
           <a:p>
             <a:fld id="{84BB3998-985A-4D94-B13E-1B64131194E0}" type="datetimeFigureOut">
               <a:rPr lang="en-US" smtClean="0"/>
-              <a:t>2/8/21</a:t>
+              <a:t>2/21/21</a:t>
             </a:fld>
             <a:endParaRPr lang="en-US"/>
           </a:p>
@@ -1871,7 +1871,7 @@
           <a:p>
             <a:fld id="{84BB3998-985A-4D94-B13E-1B64131194E0}" type="datetimeFigureOut">
               <a:rPr lang="en-US" smtClean="0"/>
-              <a:t>2/8/21</a:t>
+              <a:t>2/21/21</a:t>
             </a:fld>
             <a:endParaRPr lang="en-US"/>
           </a:p>
@@ -2136,7 +2136,7 @@
           <a:p>
             <a:fld id="{84BB3998-985A-4D94-B13E-1B64131194E0}" type="datetimeFigureOut">
               <a:rPr lang="en-US" smtClean="0"/>
-              <a:t>2/8/21</a:t>
+              <a:t>2/21/21</a:t>
             </a:fld>
             <a:endParaRPr lang="en-US"/>
           </a:p>
@@ -2548,7 +2548,7 @@
           <a:p>
             <a:fld id="{84BB3998-985A-4D94-B13E-1B64131194E0}" type="datetimeFigureOut">
               <a:rPr lang="en-US" smtClean="0"/>
-              <a:t>2/8/21</a:t>
+              <a:t>2/21/21</a:t>
             </a:fld>
             <a:endParaRPr lang="en-US"/>
           </a:p>
@@ -2689,7 +2689,7 @@
           <a:p>
             <a:fld id="{84BB3998-985A-4D94-B13E-1B64131194E0}" type="datetimeFigureOut">
               <a:rPr lang="en-US" smtClean="0"/>
-              <a:t>2/8/21</a:t>
+              <a:t>2/21/21</a:t>
             </a:fld>
             <a:endParaRPr lang="en-US"/>
           </a:p>
@@ -2802,7 +2802,7 @@
           <a:p>
             <a:fld id="{84BB3998-985A-4D94-B13E-1B64131194E0}" type="datetimeFigureOut">
               <a:rPr lang="en-US" smtClean="0"/>
-              <a:t>2/8/21</a:t>
+              <a:t>2/21/21</a:t>
             </a:fld>
             <a:endParaRPr lang="en-US"/>
           </a:p>
@@ -3113,7 +3113,7 @@
           <a:p>
             <a:fld id="{84BB3998-985A-4D94-B13E-1B64131194E0}" type="datetimeFigureOut">
               <a:rPr lang="en-US" smtClean="0"/>
-              <a:t>2/8/21</a:t>
+              <a:t>2/21/21</a:t>
             </a:fld>
             <a:endParaRPr lang="en-US"/>
           </a:p>
@@ -3401,7 +3401,7 @@
           <a:p>
             <a:fld id="{84BB3998-985A-4D94-B13E-1B64131194E0}" type="datetimeFigureOut">
               <a:rPr lang="en-US" smtClean="0"/>
-              <a:t>2/8/21</a:t>
+              <a:t>2/21/21</a:t>
             </a:fld>
             <a:endParaRPr lang="en-US"/>
           </a:p>
@@ -3642,7 +3642,7 @@
           <a:p>
             <a:fld id="{84BB3998-985A-4D94-B13E-1B64131194E0}" type="datetimeFigureOut">
               <a:rPr lang="en-US" smtClean="0"/>
-              <a:t>2/8/21</a:t>
+              <a:t>2/21/21</a:t>
             </a:fld>
             <a:endParaRPr lang="en-US"/>
           </a:p>
@@ -4308,7 +4308,11 @@
           <a:p>
             <a:pPr lvl="1"/>
             <a:r>
-              <a:rPr lang="en-US" dirty="0"/>
+              <a:rPr lang="en-US" dirty="0">
+                <a:highlight>
+                  <a:srgbClr val="FFFF00"/>
+                </a:highlight>
+              </a:rPr>
               <a:t>Transmission Control Protocol/Internet Protocol</a:t>
             </a:r>
           </a:p>
@@ -4759,8 +4763,12 @@
           <a:lstStyle/>
           <a:p>
             <a:r>
-              <a:rPr lang="en-US" dirty="0"/>
-              <a:t>Layers of TCP/IP</a:t>
+              <a:rPr lang="en-US" dirty="0">
+                <a:highlight>
+                  <a:srgbClr val="FFFF00"/>
+                </a:highlight>
+              </a:rPr>
+              <a:t>Layers of TCP/IP (4 layers)</a:t>
             </a:r>
           </a:p>
         </p:txBody>
@@ -4789,8 +4797,16 @@
           <a:lstStyle/>
           <a:p>
             <a:r>
-              <a:rPr lang="en-US" dirty="0"/>
-              <a:t>Network Interface: </a:t>
+              <a:rPr lang="en-US" dirty="0">
+                <a:highlight>
+                  <a:srgbClr val="FFFF00"/>
+                </a:highlight>
+              </a:rPr>
+              <a:t>Network Interface</a:t>
+            </a:r>
+            <a:r>
+              <a:rPr lang="en-US" dirty="0"/>
+              <a:t>: </a:t>
             </a:r>
           </a:p>
           <a:p>
@@ -4816,15 +4832,27 @@
           </a:p>
           <a:p>
             <a:r>
-              <a:rPr lang="en-US" dirty="0"/>
+              <a:rPr lang="en-US" dirty="0">
+                <a:highlight>
+                  <a:srgbClr val="FFFF00"/>
+                </a:highlight>
+              </a:rPr>
               <a:t>Internet Layer</a:t>
             </a:r>
           </a:p>
           <a:p>
             <a:pPr lvl="1"/>
             <a:r>
-              <a:rPr lang="en-US" dirty="0"/>
-              <a:t>IP = primary protocol </a:t>
+              <a:rPr lang="en-US" dirty="0">
+                <a:highlight>
+                  <a:srgbClr val="FFFF00"/>
+                </a:highlight>
+              </a:rPr>
+              <a:t>IP</a:t>
+            </a:r>
+            <a:r>
+              <a:rPr lang="en-US" dirty="0"/>
+              <a:t> = primary protocol </a:t>
             </a:r>
           </a:p>
           <a:p>
@@ -4957,15 +4985,23 @@
           <a:lstStyle/>
           <a:p>
             <a:r>
-              <a:rPr lang="en-US" dirty="0"/>
+              <a:rPr lang="en-US" dirty="0">
+                <a:highlight>
+                  <a:srgbClr val="FFFF00"/>
+                </a:highlight>
+              </a:rPr>
               <a:t>Transport Layer</a:t>
             </a:r>
           </a:p>
           <a:p>
             <a:pPr lvl="1"/>
             <a:r>
-              <a:rPr lang="en-US" dirty="0"/>
-              <a:t>Transmission control protocol </a:t>
+              <a:rPr lang="en-US" dirty="0">
+                <a:highlight>
+                  <a:srgbClr val="FFFF00"/>
+                </a:highlight>
+              </a:rPr>
+              <a:t>Transmission control protocol (TCP) </a:t>
             </a:r>
           </a:p>
           <a:p>
@@ -4991,25 +5027,45 @@
           </a:p>
           <a:p>
             <a:r>
-              <a:rPr lang="en-US" dirty="0"/>
+              <a:rPr lang="en-US" dirty="0">
+                <a:highlight>
+                  <a:srgbClr val="FFFF00"/>
+                </a:highlight>
+              </a:rPr>
               <a:t>Application layer </a:t>
             </a:r>
           </a:p>
           <a:p>
             <a:pPr lvl="1"/>
             <a:r>
-              <a:rPr lang="en-US" dirty="0"/>
-              <a:t>File Transfer Protocol </a:t>
+              <a:rPr lang="en-US" dirty="0">
+                <a:highlight>
+                  <a:srgbClr val="FFFF00"/>
+                </a:highlight>
+              </a:rPr>
+              <a:t>File Transfer Protocol (FTP)</a:t>
             </a:r>
             <a:br>
-              <a:rPr lang="en-US" dirty="0"/>
+              <a:rPr lang="en-US" dirty="0">
+                <a:highlight>
+                  <a:srgbClr val="FFFF00"/>
+                </a:highlight>
+              </a:rPr>
             </a:br>
             <a:r>
-              <a:rPr lang="en-US" dirty="0"/>
-              <a:t>Hypertext Transfer Protocol </a:t>
+              <a:rPr lang="en-US" dirty="0">
+                <a:highlight>
+                  <a:srgbClr val="FFFF00"/>
+                </a:highlight>
+              </a:rPr>
+              <a:t>Hypertext Transfer Protocol (HTTP)</a:t>
             </a:r>
             <a:br>
-              <a:rPr lang="en-US" dirty="0"/>
+              <a:rPr lang="en-US" dirty="0">
+                <a:highlight>
+                  <a:srgbClr val="FFFF00"/>
+                </a:highlight>
+              </a:rPr>
             </a:br>
             <a:r>
               <a:rPr lang="en-US" dirty="0"/>
@@ -5100,7 +5156,11 @@
           <a:lstStyle/>
           <a:p>
             <a:r>
-              <a:rPr lang="en-US" dirty="0"/>
+              <a:rPr lang="en-US" dirty="0">
+                <a:highlight>
+                  <a:srgbClr val="FFFF00"/>
+                </a:highlight>
+              </a:rPr>
               <a:t>Network Interface Layer</a:t>
             </a:r>
           </a:p>
@@ -5130,7 +5190,11 @@
           <a:lstStyle/>
           <a:p>
             <a:r>
-              <a:rPr lang="en-US" dirty="0"/>
+              <a:rPr lang="en-US" dirty="0">
+                <a:highlight>
+                  <a:srgbClr val="FFFF00"/>
+                </a:highlight>
+              </a:rPr>
               <a:t>connect the Host To Network</a:t>
             </a:r>
           </a:p>
@@ -5231,8 +5295,16 @@
           <a:lstStyle/>
           <a:p>
             <a:r>
-              <a:rPr lang="en-US" dirty="0"/>
-              <a:t>Internet Layer	</a:t>
+              <a:rPr lang="en-US" dirty="0">
+                <a:highlight>
+                  <a:srgbClr val="FFFF00"/>
+                </a:highlight>
+              </a:rPr>
+              <a:t>Internet Layer</a:t>
+            </a:r>
+            <a:r>
+              <a:rPr lang="en-US" dirty="0"/>
+              <a:t>	</a:t>
             </a:r>
           </a:p>
         </p:txBody>
@@ -5425,7 +5497,11 @@
           <a:lstStyle/>
           <a:p>
             <a:r>
-              <a:rPr lang="en-US" dirty="0"/>
+              <a:rPr lang="en-US" dirty="0">
+                <a:highlight>
+                  <a:srgbClr val="FFFF00"/>
+                </a:highlight>
+              </a:rPr>
               <a:t>Transport Layer ( TCP and UDP )</a:t>
             </a:r>
           </a:p>
@@ -5472,7 +5548,11 @@
           <a:p>
             <a:pPr lvl="1"/>
             <a:r>
-              <a:rPr lang="en-US" dirty="0"/>
+              <a:rPr lang="en-US" dirty="0">
+                <a:highlight>
+                  <a:srgbClr val="FFFF00"/>
+                </a:highlight>
+              </a:rPr>
               <a:t>TCP</a:t>
             </a:r>
           </a:p>
@@ -5486,7 +5566,11 @@
           <a:p>
             <a:pPr lvl="1"/>
             <a:r>
-              <a:rPr lang="en-US" dirty="0"/>
+              <a:rPr lang="en-US" dirty="0">
+                <a:highlight>
+                  <a:srgbClr val="FFFF00"/>
+                </a:highlight>
+              </a:rPr>
               <a:t>UDP</a:t>
             </a:r>
           </a:p>
@@ -6073,13 +6157,21 @@
           </a:p>
           <a:p>
             <a:r>
-              <a:rPr lang="en-US" dirty="0"/>
+              <a:rPr lang="en-US" dirty="0">
+                <a:highlight>
+                  <a:srgbClr val="FFFF00"/>
+                </a:highlight>
+              </a:rPr>
               <a:t>Less reliable than TCP</a:t>
             </a:r>
           </a:p>
           <a:p>
             <a:r>
-              <a:rPr lang="en-US" dirty="0"/>
+              <a:rPr lang="en-US" dirty="0">
+                <a:highlight>
+                  <a:srgbClr val="FFFF00"/>
+                </a:highlight>
+              </a:rPr>
               <a:t>Faster than TCP</a:t>
             </a:r>
           </a:p>
@@ -6182,7 +6274,11 @@
           <a:lstStyle/>
           <a:p>
             <a:r>
-              <a:rPr lang="en-US" dirty="0"/>
+              <a:rPr lang="en-US" dirty="0">
+                <a:highlight>
+                  <a:srgbClr val="FFFF00"/>
+                </a:highlight>
+              </a:rPr>
               <a:t>Comparison between TCP And UDP</a:t>
             </a:r>
           </a:p>
@@ -6362,7 +6458,11 @@
           <a:lstStyle/>
           <a:p>
             <a:r>
-              <a:rPr lang="en-US" dirty="0"/>
+              <a:rPr lang="en-US" dirty="0">
+                <a:highlight>
+                  <a:srgbClr val="FFFF00"/>
+                </a:highlight>
+              </a:rPr>
               <a:t>Comparison Of OSI and TCP/IP</a:t>
             </a:r>
           </a:p>
@@ -6703,7 +6803,11 @@
           <a:lstStyle/>
           <a:p>
             <a:r>
-              <a:rPr lang="en-US" dirty="0"/>
+              <a:rPr lang="en-US" dirty="0">
+                <a:highlight>
+                  <a:srgbClr val="FFFF00"/>
+                </a:highlight>
+              </a:rPr>
               <a:t>Active information gathering</a:t>
             </a:r>
           </a:p>
@@ -6758,7 +6862,11 @@
           </a:p>
           <a:p>
             <a:r>
-              <a:rPr lang="en-US" dirty="0"/>
+              <a:rPr lang="en-US" dirty="0">
+                <a:highlight>
+                  <a:srgbClr val="FFFF00"/>
+                </a:highlight>
+              </a:rPr>
               <a:t>Passive information gathering</a:t>
             </a:r>
           </a:p>
@@ -7184,7 +7292,11 @@
           <a:lstStyle/>
           <a:p>
             <a:r>
-              <a:rPr lang="en-US" dirty="0"/>
+              <a:rPr lang="en-US" dirty="0">
+                <a:highlight>
+                  <a:srgbClr val="FFFF00"/>
+                </a:highlight>
+              </a:rPr>
               <a:t>Open Systems Interconnection</a:t>
             </a:r>
           </a:p>
@@ -7204,7 +7316,11 @@
           </a:p>
           <a:p>
             <a:r>
-              <a:rPr lang="en-US" dirty="0"/>
+              <a:rPr lang="en-US" dirty="0">
+                <a:highlight>
+                  <a:srgbClr val="FFFF00"/>
+                </a:highlight>
+              </a:rPr>
               <a:t>Transmission Control Protocol/Internet Protocol</a:t>
             </a:r>
           </a:p>
@@ -7422,7 +7538,11 @@
           <a:lstStyle/>
           <a:p>
             <a:r>
-              <a:rPr lang="en-US" dirty="0"/>
+              <a:rPr lang="en-US" dirty="0">
+                <a:highlight>
+                  <a:srgbClr val="FFFF00"/>
+                </a:highlight>
+              </a:rPr>
               <a:t>OSI Model</a:t>
             </a:r>
           </a:p>
